--- a/Pace of Delivery.pptx
+++ b/Pace of Delivery.pptx
@@ -5,13 +5,21 @@
     <p:sldMasterId id="2147483648" r:id="rId1"/>
   </p:sldMasterIdLst>
   <p:notesMasterIdLst>
-    <p:notesMasterId r:id="rId6"/>
+    <p:notesMasterId r:id="rId14"/>
   </p:notesMasterIdLst>
   <p:sldIdLst>
     <p:sldId id="2147376872" r:id="rId2"/>
     <p:sldId id="2147483417" r:id="rId3"/>
     <p:sldId id="2147483418" r:id="rId4"/>
     <p:sldId id="2147483419" r:id="rId5"/>
+    <p:sldId id="256" r:id="rId6"/>
+    <p:sldId id="257" r:id="rId7"/>
+    <p:sldId id="258" r:id="rId8"/>
+    <p:sldId id="259" r:id="rId9"/>
+    <p:sldId id="260" r:id="rId10"/>
+    <p:sldId id="261" r:id="rId11"/>
+    <p:sldId id="262" r:id="rId12"/>
+    <p:sldId id="263" r:id="rId13"/>
   </p:sldIdLst>
   <p:sldSz cx="12192000" cy="6858000"/>
   <p:notesSz cx="6858000" cy="9144000"/>
@@ -110,6 +118,11 @@
       </a:defRPr>
     </a:lvl9pPr>
   </p:defaultTextStyle>
+  <p:extLst>
+    <p:ext uri="{EFAFB233-063F-42B5-8137-9DF3F51BA10A}">
+      <p15:sldGuideLst xmlns:p15="http://schemas.microsoft.com/office/powerpoint/2012/main"/>
+    </p:ext>
+  </p:extLst>
 </p:presentation>
 </file>
 
@@ -4152,6 +4165,315 @@
         <p14:creationId xmlns:p14="http://schemas.microsoft.com/office/powerpoint/2010/main" val="3723558093"/>
       </p:ext>
     </p:extLst>
+  </p:cSld>
+  <p:clrMapOvr>
+    <a:masterClrMapping/>
+  </p:clrMapOvr>
+</p:sld>
+</file>
+
+<file path=ppt/slides/slide10.xml><?xml version="1.0" encoding="utf-8"?>
+<p:sld xmlns:a="http://schemas.openxmlformats.org/drawingml/2006/main" xmlns:r="http://schemas.openxmlformats.org/officeDocument/2006/relationships" xmlns:p="http://schemas.openxmlformats.org/presentationml/2006/main">
+  <p:cSld>
+    <p:spTree>
+      <p:nvGrpSpPr>
+        <p:cNvPr id="1" name=""/>
+        <p:cNvGrpSpPr/>
+        <p:nvPr/>
+      </p:nvGrpSpPr>
+      <p:grpSpPr>
+        <a:xfrm>
+          <a:off x="0" y="0"/>
+          <a:ext cx="0" cy="0"/>
+          <a:chOff x="0" y="0"/>
+          <a:chExt cx="0" cy="0"/>
+        </a:xfrm>
+      </p:grpSpPr>
+      <p:sp>
+        <p:nvSpPr>
+          <p:cNvPr id="2" name="Title 1"/>
+          <p:cNvSpPr>
+            <a:spLocks noGrp="1"/>
+          </p:cNvSpPr>
+          <p:nvPr>
+            <p:ph type="title"/>
+          </p:nvPr>
+        </p:nvSpPr>
+        <p:spPr/>
+        <p:txBody>
+          <a:bodyPr/>
+          <a:lstStyle/>
+          <a:p>
+            <a:r>
+              <a:rPr sz="1800" b="1">
+                <a:solidFill>
+                  <a:srgbClr val="FFCC00"/>
+                </a:solidFill>
+              </a:rPr>
+              <a:t>Part 5 – Practical Timeline Compression Example</a:t>
+            </a:r>
+          </a:p>
+        </p:txBody>
+      </p:sp>
+      <p:sp>
+        <p:nvSpPr>
+          <p:cNvPr id="3" name="Content Placeholder 2"/>
+          <p:cNvSpPr>
+            <a:spLocks noGrp="1"/>
+          </p:cNvSpPr>
+          <p:nvPr>
+            <p:ph idx="1"/>
+          </p:nvPr>
+        </p:nvSpPr>
+        <p:spPr/>
+        <p:txBody>
+          <a:bodyPr/>
+          <a:lstStyle/>
+          <a:p>
+            <a:endParaRPr/>
+          </a:p>
+          <a:p>
+            <a:pPr>
+              <a:defRPr sz="1400"/>
+            </a:pPr>
+            <a:r>
+              <a:rPr sz="1800" b="1"/>
+              <a:t>Original: Sequential design, build, test = 6 months.</a:t>
+            </a:r>
+          </a:p>
+          <a:p>
+            <a:pPr>
+              <a:defRPr sz="1400"/>
+            </a:pPr>
+            <a:r>
+              <a:rPr sz="1800" b="1"/>
+              <a:t>Fast Model: Overlap design, build, and UAT.</a:t>
+            </a:r>
+          </a:p>
+          <a:p>
+            <a:pPr>
+              <a:defRPr sz="1400"/>
+            </a:pPr>
+            <a:r>
+              <a:rPr sz="1800" b="1"/>
+              <a:t>Slice work: B1 → Integration/UAT Wave 1 → B2 → UAT Wave 2.</a:t>
+            </a:r>
+          </a:p>
+          <a:p>
+            <a:pPr>
+              <a:defRPr sz="1400"/>
+            </a:pPr>
+            <a:r>
+              <a:rPr sz="1800" b="1"/>
+              <a:t>Cuts idle time and compresses delivery.</a:t>
+            </a:r>
+          </a:p>
+        </p:txBody>
+      </p:sp>
+    </p:spTree>
+  </p:cSld>
+  <p:clrMapOvr>
+    <a:masterClrMapping/>
+  </p:clrMapOvr>
+</p:sld>
+</file>
+
+<file path=ppt/slides/slide11.xml><?xml version="1.0" encoding="utf-8"?>
+<p:sld xmlns:a="http://schemas.openxmlformats.org/drawingml/2006/main" xmlns:r="http://schemas.openxmlformats.org/officeDocument/2006/relationships" xmlns:p="http://schemas.openxmlformats.org/presentationml/2006/main">
+  <p:cSld>
+    <p:spTree>
+      <p:nvGrpSpPr>
+        <p:cNvPr id="1" name=""/>
+        <p:cNvGrpSpPr/>
+        <p:nvPr/>
+      </p:nvGrpSpPr>
+      <p:grpSpPr>
+        <a:xfrm>
+          <a:off x="0" y="0"/>
+          <a:ext cx="0" cy="0"/>
+          <a:chOff x="0" y="0"/>
+          <a:chExt cx="0" cy="0"/>
+        </a:xfrm>
+      </p:grpSpPr>
+      <p:sp>
+        <p:nvSpPr>
+          <p:cNvPr id="2" name="Title 1"/>
+          <p:cNvSpPr>
+            <a:spLocks noGrp="1"/>
+          </p:cNvSpPr>
+          <p:nvPr>
+            <p:ph type="title"/>
+          </p:nvPr>
+        </p:nvSpPr>
+        <p:spPr/>
+        <p:txBody>
+          <a:bodyPr/>
+          <a:lstStyle/>
+          <a:p>
+            <a:r>
+              <a:rPr sz="1800" b="1">
+                <a:solidFill>
+                  <a:srgbClr val="660099"/>
+                </a:solidFill>
+              </a:rPr>
+              <a:t>Part 6 – The Supporting Guardrails</a:t>
+            </a:r>
+          </a:p>
+        </p:txBody>
+      </p:sp>
+      <p:sp>
+        <p:nvSpPr>
+          <p:cNvPr id="3" name="Content Placeholder 2"/>
+          <p:cNvSpPr>
+            <a:spLocks noGrp="1"/>
+          </p:cNvSpPr>
+          <p:nvPr>
+            <p:ph idx="1"/>
+          </p:nvPr>
+        </p:nvSpPr>
+        <p:spPr/>
+        <p:txBody>
+          <a:bodyPr/>
+          <a:lstStyle/>
+          <a:p>
+            <a:endParaRPr/>
+          </a:p>
+          <a:p>
+            <a:pPr>
+              <a:defRPr sz="1400"/>
+            </a:pPr>
+            <a:r>
+              <a:rPr sz="1800" b="1"/>
+              <a:t>Data Quality Automation – dbt tests, Great Expectations.</a:t>
+            </a:r>
+          </a:p>
+          <a:p>
+            <a:pPr>
+              <a:defRPr sz="1400"/>
+            </a:pPr>
+            <a:r>
+              <a:rPr sz="1800" b="1"/>
+              <a:t>Pre-approved Slice 1 patterns to skip RM delays.</a:t>
+            </a:r>
+          </a:p>
+          <a:p>
+            <a:pPr>
+              <a:defRPr sz="1400"/>
+            </a:pPr>
+            <a:r>
+              <a:rPr sz="1800" b="1"/>
+              <a:t>Blue/green deployments for safe releases.</a:t>
+            </a:r>
+          </a:p>
+          <a:p>
+            <a:pPr>
+              <a:defRPr sz="1400"/>
+            </a:pPr>
+            <a:r>
+              <a:rPr sz="1800" b="1"/>
+              <a:t>Full DoR in Jira for reduced clarifications.</a:t>
+            </a:r>
+          </a:p>
+        </p:txBody>
+      </p:sp>
+    </p:spTree>
+  </p:cSld>
+  <p:clrMapOvr>
+    <a:masterClrMapping/>
+  </p:clrMapOvr>
+</p:sld>
+</file>
+
+<file path=ppt/slides/slide12.xml><?xml version="1.0" encoding="utf-8"?>
+<p:sld xmlns:a="http://schemas.openxmlformats.org/drawingml/2006/main" xmlns:r="http://schemas.openxmlformats.org/officeDocument/2006/relationships" xmlns:p="http://schemas.openxmlformats.org/presentationml/2006/main">
+  <p:cSld>
+    <p:spTree>
+      <p:nvGrpSpPr>
+        <p:cNvPr id="1" name=""/>
+        <p:cNvGrpSpPr/>
+        <p:nvPr/>
+      </p:nvGrpSpPr>
+      <p:grpSpPr>
+        <a:xfrm>
+          <a:off x="0" y="0"/>
+          <a:ext cx="0" cy="0"/>
+          <a:chOff x="0" y="0"/>
+          <a:chExt cx="0" cy="0"/>
+        </a:xfrm>
+      </p:grpSpPr>
+      <p:sp>
+        <p:nvSpPr>
+          <p:cNvPr id="2" name="Title 1"/>
+          <p:cNvSpPr>
+            <a:spLocks noGrp="1"/>
+          </p:cNvSpPr>
+          <p:nvPr>
+            <p:ph type="title"/>
+          </p:nvPr>
+        </p:nvSpPr>
+        <p:spPr/>
+        <p:txBody>
+          <a:bodyPr/>
+          <a:lstStyle/>
+          <a:p>
+            <a:r>
+              <a:t>Closing</a:t>
+            </a:r>
+          </a:p>
+        </p:txBody>
+      </p:sp>
+      <p:sp>
+        <p:nvSpPr>
+          <p:cNvPr id="3" name="Content Placeholder 2"/>
+          <p:cNvSpPr>
+            <a:spLocks noGrp="1"/>
+          </p:cNvSpPr>
+          <p:nvPr>
+            <p:ph idx="1"/>
+          </p:nvPr>
+        </p:nvSpPr>
+        <p:spPr/>
+        <p:txBody>
+          <a:bodyPr/>
+          <a:lstStyle/>
+          <a:p>
+            <a:endParaRPr/>
+          </a:p>
+          <a:p>
+            <a:pPr>
+              <a:defRPr sz="1400"/>
+            </a:pPr>
+            <a:r>
+              <a:t>Speed is possible without chaos.</a:t>
+            </a:r>
+          </a:p>
+          <a:p>
+            <a:pPr>
+              <a:defRPr sz="1400"/>
+            </a:pPr>
+            <a:r>
+              <a:t>Rethink sequencing, empower tech leads.</a:t>
+            </a:r>
+          </a:p>
+          <a:p>
+            <a:pPr>
+              <a:defRPr sz="1400"/>
+            </a:pPr>
+            <a:r>
+              <a:t>Reduce governance where safe, have clear escalation.</a:t>
+            </a:r>
+          </a:p>
+          <a:p>
+            <a:pPr>
+              <a:defRPr sz="1400"/>
+            </a:pPr>
+            <a:r>
+              <a:t>Deliver faster and smarter.</a:t>
+            </a:r>
+          </a:p>
+        </p:txBody>
+      </p:sp>
+    </p:spTree>
   </p:cSld>
   <p:clrMapOvr>
     <a:masterClrMapping/>
@@ -8607,6 +8929,488 @@
         <p14:creationId xmlns:p14="http://schemas.microsoft.com/office/powerpoint/2010/main" val="2076438353"/>
       </p:ext>
     </p:extLst>
+  </p:cSld>
+  <p:clrMapOvr>
+    <a:masterClrMapping/>
+  </p:clrMapOvr>
+</p:sld>
+</file>
+
+<file path=ppt/slides/slide5.xml><?xml version="1.0" encoding="utf-8"?>
+<p:sld xmlns:a="http://schemas.openxmlformats.org/drawingml/2006/main" xmlns:r="http://schemas.openxmlformats.org/officeDocument/2006/relationships" xmlns:p="http://schemas.openxmlformats.org/presentationml/2006/main">
+  <p:cSld>
+    <p:spTree>
+      <p:nvGrpSpPr>
+        <p:cNvPr id="1" name=""/>
+        <p:cNvGrpSpPr/>
+        <p:nvPr/>
+      </p:nvGrpSpPr>
+      <p:grpSpPr>
+        <a:xfrm>
+          <a:off x="0" y="0"/>
+          <a:ext cx="0" cy="0"/>
+          <a:chOff x="0" y="0"/>
+          <a:chExt cx="0" cy="0"/>
+        </a:xfrm>
+      </p:grpSpPr>
+      <p:sp>
+        <p:nvSpPr>
+          <p:cNvPr id="2" name="Title 1"/>
+          <p:cNvSpPr>
+            <a:spLocks noGrp="1"/>
+          </p:cNvSpPr>
+          <p:nvPr>
+            <p:ph type="ctrTitle"/>
+          </p:nvPr>
+        </p:nvSpPr>
+        <p:spPr/>
+        <p:txBody>
+          <a:bodyPr/>
+          <a:lstStyle/>
+          <a:p>
+            <a:r>
+              <a:t>Pace of Delivery – Data Engineering</a:t>
+            </a:r>
+          </a:p>
+        </p:txBody>
+      </p:sp>
+      <p:sp>
+        <p:nvSpPr>
+          <p:cNvPr id="3" name="Subtitle 2"/>
+          <p:cNvSpPr>
+            <a:spLocks noGrp="1"/>
+          </p:cNvSpPr>
+          <p:nvPr>
+            <p:ph type="subTitle" idx="1"/>
+          </p:nvPr>
+        </p:nvSpPr>
+        <p:spPr/>
+        <p:txBody>
+          <a:bodyPr/>
+          <a:lstStyle/>
+          <a:p>
+            <a:r>
+              <a:t>Faster, Smarter, Sustainable Delivery in the Age of Cloud &amp; AI</a:t>
+            </a:r>
+          </a:p>
+        </p:txBody>
+      </p:sp>
+    </p:spTree>
+  </p:cSld>
+  <p:clrMapOvr>
+    <a:masterClrMapping/>
+  </p:clrMapOvr>
+</p:sld>
+</file>
+
+<file path=ppt/slides/slide6.xml><?xml version="1.0" encoding="utf-8"?>
+<p:sld xmlns:a="http://schemas.openxmlformats.org/drawingml/2006/main" xmlns:r="http://schemas.openxmlformats.org/officeDocument/2006/relationships" xmlns:p="http://schemas.openxmlformats.org/presentationml/2006/main">
+  <p:cSld>
+    <p:spTree>
+      <p:nvGrpSpPr>
+        <p:cNvPr id="1" name=""/>
+        <p:cNvGrpSpPr/>
+        <p:nvPr/>
+      </p:nvGrpSpPr>
+      <p:grpSpPr>
+        <a:xfrm>
+          <a:off x="0" y="0"/>
+          <a:ext cx="0" cy="0"/>
+          <a:chOff x="0" y="0"/>
+          <a:chExt cx="0" cy="0"/>
+        </a:xfrm>
+      </p:grpSpPr>
+      <p:sp>
+        <p:nvSpPr>
+          <p:cNvPr id="2" name="Title 1"/>
+          <p:cNvSpPr>
+            <a:spLocks noGrp="1"/>
+          </p:cNvSpPr>
+          <p:nvPr>
+            <p:ph type="title"/>
+          </p:nvPr>
+        </p:nvSpPr>
+        <p:spPr/>
+        <p:txBody>
+          <a:bodyPr/>
+          <a:lstStyle/>
+          <a:p>
+            <a:r>
+              <a:rPr sz="1800" b="1">
+                <a:solidFill>
+                  <a:srgbClr val="0066CC"/>
+                </a:solidFill>
+              </a:rPr>
+              <a:t>Part 1 – The Challenge</a:t>
+            </a:r>
+          </a:p>
+        </p:txBody>
+      </p:sp>
+      <p:sp>
+        <p:nvSpPr>
+          <p:cNvPr id="3" name="Content Placeholder 2"/>
+          <p:cNvSpPr>
+            <a:spLocks noGrp="1"/>
+          </p:cNvSpPr>
+          <p:nvPr>
+            <p:ph idx="1"/>
+          </p:nvPr>
+        </p:nvSpPr>
+        <p:spPr/>
+        <p:txBody>
+          <a:bodyPr/>
+          <a:lstStyle/>
+          <a:p>
+            <a:endParaRPr/>
+          </a:p>
+          <a:p>
+            <a:pPr>
+              <a:defRPr sz="1400"/>
+            </a:pPr>
+            <a:r>
+              <a:rPr sz="1800" b="1"/>
+              <a:t>Projects often run long due to dependencies: RM queues, interlocks, sign-offs.</a:t>
+            </a:r>
+          </a:p>
+          <a:p>
+            <a:pPr>
+              <a:defRPr sz="1400"/>
+            </a:pPr>
+            <a:r>
+              <a:rPr sz="1800" b="1"/>
+              <a:t>Agile sprints help incremental delivery but not aggressive timelines.</a:t>
+            </a:r>
+          </a:p>
+          <a:p>
+            <a:pPr>
+              <a:defRPr sz="1400"/>
+            </a:pPr>
+            <a:r>
+              <a:rPr sz="1800" b="1"/>
+              <a:t>Stakeholders want working data products yesterday.</a:t>
+            </a:r>
+          </a:p>
+          <a:p>
+            <a:pPr>
+              <a:defRPr sz="1400"/>
+            </a:pPr>
+            <a:r>
+              <a:rPr sz="1800" b="1"/>
+              <a:t>Question: How to speed up while keeping governance, data quality, and architecture intact?</a:t>
+            </a:r>
+          </a:p>
+        </p:txBody>
+      </p:sp>
+    </p:spTree>
+  </p:cSld>
+  <p:clrMapOvr>
+    <a:masterClrMapping/>
+  </p:clrMapOvr>
+</p:sld>
+</file>
+
+<file path=ppt/slides/slide7.xml><?xml version="1.0" encoding="utf-8"?>
+<p:sld xmlns:a="http://schemas.openxmlformats.org/drawingml/2006/main" xmlns:r="http://schemas.openxmlformats.org/officeDocument/2006/relationships" xmlns:p="http://schemas.openxmlformats.org/presentationml/2006/main">
+  <p:cSld>
+    <p:spTree>
+      <p:nvGrpSpPr>
+        <p:cNvPr id="1" name=""/>
+        <p:cNvGrpSpPr/>
+        <p:nvPr/>
+      </p:nvGrpSpPr>
+      <p:grpSpPr>
+        <a:xfrm>
+          <a:off x="0" y="0"/>
+          <a:ext cx="0" cy="0"/>
+          <a:chOff x="0" y="0"/>
+          <a:chExt cx="0" cy="0"/>
+        </a:xfrm>
+      </p:grpSpPr>
+      <p:sp>
+        <p:nvSpPr>
+          <p:cNvPr id="2" name="Title 1"/>
+          <p:cNvSpPr>
+            <a:spLocks noGrp="1"/>
+          </p:cNvSpPr>
+          <p:nvPr>
+            <p:ph type="title"/>
+          </p:nvPr>
+        </p:nvSpPr>
+        <p:spPr/>
+        <p:txBody>
+          <a:bodyPr/>
+          <a:lstStyle/>
+          <a:p>
+            <a:r>
+              <a:rPr sz="1800" b="1">
+                <a:solidFill>
+                  <a:srgbClr val="00994C"/>
+                </a:solidFill>
+              </a:rPr>
+              <a:t>Part 2 – The Fast Agile Data Delivery Model</a:t>
+            </a:r>
+          </a:p>
+        </p:txBody>
+      </p:sp>
+      <p:sp>
+        <p:nvSpPr>
+          <p:cNvPr id="3" name="Content Placeholder 2"/>
+          <p:cNvSpPr>
+            <a:spLocks noGrp="1"/>
+          </p:cNvSpPr>
+          <p:nvPr>
+            <p:ph idx="1"/>
+          </p:nvPr>
+        </p:nvSpPr>
+        <p:spPr/>
+        <p:txBody>
+          <a:bodyPr/>
+          <a:lstStyle/>
+          <a:p>
+            <a:endParaRPr/>
+          </a:p>
+          <a:p>
+            <a:pPr>
+              <a:defRPr sz="1400"/>
+            </a:pPr>
+            <a:r>
+              <a:rPr sz="1800" b="1"/>
+              <a:t>Ease the Release Management Process – Skip full RM for isolated projects.</a:t>
+            </a:r>
+          </a:p>
+          <a:p>
+            <a:pPr>
+              <a:defRPr sz="1400"/>
+            </a:pPr>
+            <a:r>
+              <a:rPr sz="1800" b="1"/>
+              <a:t>Virtual Tech Lead Role – Bridge between engineers and leadership.</a:t>
+            </a:r>
+          </a:p>
+          <a:p>
+            <a:pPr>
+              <a:defRPr sz="1400"/>
+            </a:pPr>
+            <a:r>
+              <a:rPr sz="1800" b="1"/>
+              <a:t>Engineer Growth into Full-Stack Data Roles – Fill in Jira themselves.</a:t>
+            </a:r>
+          </a:p>
+        </p:txBody>
+      </p:sp>
+    </p:spTree>
+  </p:cSld>
+  <p:clrMapOvr>
+    <a:masterClrMapping/>
+  </p:clrMapOvr>
+</p:sld>
+</file>
+
+<file path=ppt/slides/slide8.xml><?xml version="1.0" encoding="utf-8"?>
+<p:sld xmlns:a="http://schemas.openxmlformats.org/drawingml/2006/main" xmlns:r="http://schemas.openxmlformats.org/officeDocument/2006/relationships" xmlns:p="http://schemas.openxmlformats.org/presentationml/2006/main">
+  <p:cSld>
+    <p:spTree>
+      <p:nvGrpSpPr>
+        <p:cNvPr id="1" name=""/>
+        <p:cNvGrpSpPr/>
+        <p:nvPr/>
+      </p:nvGrpSpPr>
+      <p:grpSpPr>
+        <a:xfrm>
+          <a:off x="0" y="0"/>
+          <a:ext cx="0" cy="0"/>
+          <a:chOff x="0" y="0"/>
+          <a:chExt cx="0" cy="0"/>
+        </a:xfrm>
+      </p:grpSpPr>
+      <p:sp>
+        <p:nvSpPr>
+          <p:cNvPr id="2" name="Title 1"/>
+          <p:cNvSpPr>
+            <a:spLocks noGrp="1"/>
+          </p:cNvSpPr>
+          <p:nvPr>
+            <p:ph type="title"/>
+          </p:nvPr>
+        </p:nvSpPr>
+        <p:spPr/>
+        <p:txBody>
+          <a:bodyPr/>
+          <a:lstStyle/>
+          <a:p>
+            <a:r>
+              <a:rPr sz="1800" b="1">
+                <a:solidFill>
+                  <a:srgbClr val="FF8000"/>
+                </a:solidFill>
+              </a:rPr>
+              <a:t>Part 3 – The Role of the Tech Lead</a:t>
+            </a:r>
+          </a:p>
+        </p:txBody>
+      </p:sp>
+      <p:sp>
+        <p:nvSpPr>
+          <p:cNvPr id="3" name="Content Placeholder 2"/>
+          <p:cNvSpPr>
+            <a:spLocks noGrp="1"/>
+          </p:cNvSpPr>
+          <p:nvPr>
+            <p:ph idx="1"/>
+          </p:nvPr>
+        </p:nvSpPr>
+        <p:spPr/>
+        <p:txBody>
+          <a:bodyPr/>
+          <a:lstStyle/>
+          <a:p>
+            <a:endParaRPr/>
+          </a:p>
+          <a:p>
+            <a:pPr>
+              <a:defRPr sz="1400"/>
+            </a:pPr>
+            <a:r>
+              <a:rPr sz="1800" b="1"/>
+              <a:t>Approve small modelling changes without architect delay.</a:t>
+            </a:r>
+          </a:p>
+          <a:p>
+            <a:pPr>
+              <a:defRPr sz="1400"/>
+            </a:pPr>
+            <a:r>
+              <a:rPr sz="1800" b="1"/>
+              <a:t>Maintain technical guardrails for each delivery slice.</a:t>
+            </a:r>
+          </a:p>
+          <a:p>
+            <a:pPr>
+              <a:defRPr sz="1400"/>
+            </a:pPr>
+            <a:r>
+              <a:rPr sz="1800" b="1"/>
+              <a:t>Trigger escalation if 20% contingency buffer is at risk.</a:t>
+            </a:r>
+          </a:p>
+          <a:p>
+            <a:pPr>
+              <a:defRPr sz="1400"/>
+            </a:pPr>
+            <a:r>
+              <a:rPr sz="1800" b="1"/>
+              <a:t>Faster, more informed decision-making.</a:t>
+            </a:r>
+          </a:p>
+        </p:txBody>
+      </p:sp>
+    </p:spTree>
+  </p:cSld>
+  <p:clrMapOvr>
+    <a:masterClrMapping/>
+  </p:clrMapOvr>
+</p:sld>
+</file>
+
+<file path=ppt/slides/slide9.xml><?xml version="1.0" encoding="utf-8"?>
+<p:sld xmlns:a="http://schemas.openxmlformats.org/drawingml/2006/main" xmlns:r="http://schemas.openxmlformats.org/officeDocument/2006/relationships" xmlns:p="http://schemas.openxmlformats.org/presentationml/2006/main">
+  <p:cSld>
+    <p:spTree>
+      <p:nvGrpSpPr>
+        <p:cNvPr id="1" name=""/>
+        <p:cNvGrpSpPr/>
+        <p:nvPr/>
+      </p:nvGrpSpPr>
+      <p:grpSpPr>
+        <a:xfrm>
+          <a:off x="0" y="0"/>
+          <a:ext cx="0" cy="0"/>
+          <a:chOff x="0" y="0"/>
+          <a:chExt cx="0" cy="0"/>
+        </a:xfrm>
+      </p:grpSpPr>
+      <p:sp>
+        <p:nvSpPr>
+          <p:cNvPr id="2" name="Title 1"/>
+          <p:cNvSpPr>
+            <a:spLocks noGrp="1"/>
+          </p:cNvSpPr>
+          <p:nvPr>
+            <p:ph type="title"/>
+          </p:nvPr>
+        </p:nvSpPr>
+        <p:spPr/>
+        <p:txBody>
+          <a:bodyPr/>
+          <a:lstStyle/>
+          <a:p>
+            <a:r>
+              <a:rPr sz="1800" b="1">
+                <a:solidFill>
+                  <a:srgbClr val="FF6600"/>
+                </a:solidFill>
+              </a:rPr>
+              <a:t>Part 4 – Managing the 20% Contingency</a:t>
+            </a:r>
+          </a:p>
+        </p:txBody>
+      </p:sp>
+      <p:sp>
+        <p:nvSpPr>
+          <p:cNvPr id="3" name="Content Placeholder 2"/>
+          <p:cNvSpPr>
+            <a:spLocks noGrp="1"/>
+          </p:cNvSpPr>
+          <p:nvPr>
+            <p:ph idx="1"/>
+          </p:nvPr>
+        </p:nvSpPr>
+        <p:spPr/>
+        <p:txBody>
+          <a:bodyPr/>
+          <a:lstStyle/>
+          <a:p>
+            <a:endParaRPr/>
+          </a:p>
+          <a:p>
+            <a:pPr>
+              <a:defRPr sz="1400"/>
+            </a:pPr>
+            <a:r>
+              <a:rPr sz="1800" b="1"/>
+              <a:t>20% buffer absorbs defects, rework, scope shifts.</a:t>
+            </a:r>
+          </a:p>
+          <a:p>
+            <a:pPr>
+              <a:defRPr sz="1400"/>
+            </a:pPr>
+            <a:r>
+              <a:rPr sz="1800" b="1"/>
+              <a:t>Tier 1: Internal squad workaround.</a:t>
+            </a:r>
+          </a:p>
+          <a:p>
+            <a:pPr>
+              <a:defRPr sz="1400"/>
+            </a:pPr>
+            <a:r>
+              <a:rPr sz="1800" b="1"/>
+              <a:t>Tier 2: Domain-level escalation.</a:t>
+            </a:r>
+          </a:p>
+          <a:p>
+            <a:pPr>
+              <a:defRPr sz="1400"/>
+            </a:pPr>
+            <a:r>
+              <a:rPr sz="1800" b="1"/>
+              <a:t>Tier 3: Leadership trade-off decision.</a:t>
+            </a:r>
+          </a:p>
+        </p:txBody>
+      </p:sp>
+    </p:spTree>
   </p:cSld>
   <p:clrMapOvr>
     <a:masterClrMapping/>
